--- a/icons_gui/icons.pptx
+++ b/icons_gui/icons.pptx
@@ -104,6 +104,11 @@
       </a:defRPr>
     </a:lvl9pPr>
   </p:defaultTextStyle>
+  <p:extLst>
+    <p:ext uri="{EFAFB233-063F-42B5-8137-9DF3F51BA10A}">
+      <p15:sldGuideLst xmlns:p15="http://schemas.microsoft.com/office/powerpoint/2012/main"/>
+    </p:ext>
+  </p:extLst>
 </p:presentation>
 </file>
 
@@ -3653,12 +3658,68 @@
           </a:prstGeom>
         </p:spPr>
       </p:pic>
+      <p:sp>
+        <p:nvSpPr>
+          <p:cNvPr id="18" name="Multiplication Sign 17">
+            <a:extLst>
+              <a:ext uri="{FF2B5EF4-FFF2-40B4-BE49-F238E27FC236}">
+                <a16:creationId xmlns:a16="http://schemas.microsoft.com/office/drawing/2014/main" id="{A697CF61-C6AB-4701-8824-BEB11F55842E}"/>
+              </a:ext>
+            </a:extLst>
+          </p:cNvPr>
+          <p:cNvSpPr/>
+          <p:nvPr/>
+        </p:nvSpPr>
+        <p:spPr>
+          <a:xfrm>
+            <a:off x="4225159" y="1250731"/>
+            <a:ext cx="1555531" cy="1471448"/>
+          </a:xfrm>
+          <a:prstGeom prst="mathMultiply">
+            <a:avLst>
+              <a:gd name="adj1" fmla="val 11377"/>
+            </a:avLst>
+          </a:prstGeom>
+          <a:solidFill>
+            <a:srgbClr val="FF0000"/>
+          </a:solidFill>
+          <a:ln>
+            <a:solidFill>
+              <a:srgbClr val="FF0000"/>
+            </a:solidFill>
+          </a:ln>
+        </p:spPr>
+        <p:style>
+          <a:lnRef idx="2">
+            <a:schemeClr val="accent1">
+              <a:shade val="50000"/>
+            </a:schemeClr>
+          </a:lnRef>
+          <a:fillRef idx="1">
+            <a:schemeClr val="accent1"/>
+          </a:fillRef>
+          <a:effectRef idx="0">
+            <a:schemeClr val="accent1"/>
+          </a:effectRef>
+          <a:fontRef idx="minor">
+            <a:schemeClr val="lt1"/>
+          </a:fontRef>
+        </p:style>
+        <p:txBody>
+          <a:bodyPr rtlCol="0" anchor="ctr"/>
+          <a:lstStyle/>
+          <a:p>
+            <a:pPr algn="ctr"/>
+            <a:endParaRPr lang="en-US"/>
+          </a:p>
+        </p:txBody>
+      </p:sp>
       <p:grpSp>
         <p:nvGrpSpPr>
-          <p:cNvPr id="17" name="Group 16">
-            <a:extLst>
-              <a:ext uri="{FF2B5EF4-FFF2-40B4-BE49-F238E27FC236}">
-                <a16:creationId xmlns:a16="http://schemas.microsoft.com/office/drawing/2014/main" id="{3C3C92B3-7082-4C50-92FD-BA406561AA3C}"/>
+          <p:cNvPr id="9" name="Group 8">
+            <a:extLst>
+              <a:ext uri="{FF2B5EF4-FFF2-40B4-BE49-F238E27FC236}">
+                <a16:creationId xmlns:a16="http://schemas.microsoft.com/office/drawing/2014/main" id="{760F8151-59E2-4BAB-ACF6-4503502F5905}"/>
               </a:ext>
             </a:extLst>
           </p:cNvPr>
@@ -3667,18 +3728,18 @@
         </p:nvGrpSpPr>
         <p:grpSpPr>
           <a:xfrm>
-            <a:off x="1729810" y="4251788"/>
-            <a:ext cx="1463040" cy="1463040"/>
-            <a:chOff x="1729810" y="4251788"/>
-            <a:chExt cx="1463040" cy="1463040"/>
+            <a:off x="3159125" y="3753919"/>
+            <a:ext cx="1209675" cy="1145305"/>
+            <a:chOff x="3159125" y="3753919"/>
+            <a:chExt cx="1209675" cy="1145305"/>
           </a:xfrm>
         </p:grpSpPr>
         <p:sp>
           <p:nvSpPr>
-            <p:cNvPr id="15" name="Rectangle 14">
+            <p:cNvPr id="4" name="L-Shape 3">
               <a:extLst>
                 <a:ext uri="{FF2B5EF4-FFF2-40B4-BE49-F238E27FC236}">
-                  <a16:creationId xmlns:a16="http://schemas.microsoft.com/office/drawing/2014/main" id="{857E2178-D7C3-4E17-99F5-7DF7D1DE6046}"/>
+                  <a16:creationId xmlns:a16="http://schemas.microsoft.com/office/drawing/2014/main" id="{187434E6-DF18-40D4-928A-646EDC20AB1B}"/>
                 </a:ext>
               </a:extLst>
             </p:cNvPr>
@@ -3687,14 +3748,22 @@
           </p:nvSpPr>
           <p:spPr>
             <a:xfrm>
-              <a:off x="2021840" y="4521200"/>
-              <a:ext cx="900000" cy="900000"/>
+              <a:off x="3159125" y="4467224"/>
+              <a:ext cx="432000" cy="432000"/>
             </a:xfrm>
-            <a:prstGeom prst="rect">
-              <a:avLst/>
+            <a:prstGeom prst="corner">
+              <a:avLst>
+                <a:gd name="adj1" fmla="val 33096"/>
+                <a:gd name="adj2" fmla="val 33096"/>
+              </a:avLst>
             </a:prstGeom>
-            <a:noFill/>
-            <a:ln w="76200">
+            <a:solidFill>
+              <a:schemeClr val="accent1">
+                <a:lumMod val="60000"/>
+                <a:lumOff val="40000"/>
+              </a:schemeClr>
+            </a:solidFill>
+            <a:ln>
               <a:solidFill>
                 <a:schemeClr val="accent1">
                   <a:lumMod val="60000"/>
@@ -3730,32 +3799,165 @@
         </p:sp>
         <p:sp>
           <p:nvSpPr>
-            <p:cNvPr id="16" name="Plus Sign 15">
+            <p:cNvPr id="22" name="L-Shape 21">
               <a:extLst>
                 <a:ext uri="{FF2B5EF4-FFF2-40B4-BE49-F238E27FC236}">
-                  <a16:creationId xmlns:a16="http://schemas.microsoft.com/office/drawing/2014/main" id="{CA7BEBD5-970C-4F10-B07E-1BB376FC4588}"/>
+                  <a16:creationId xmlns:a16="http://schemas.microsoft.com/office/drawing/2014/main" id="{4BE5826B-DB1C-425D-967B-597CD7B0C9BC}"/>
                 </a:ext>
               </a:extLst>
             </p:cNvPr>
-            <p:cNvSpPr>
-              <a:spLocks noChangeAspect="1"/>
-            </p:cNvSpPr>
+            <p:cNvSpPr/>
             <p:nvPr/>
           </p:nvSpPr>
           <p:spPr>
-            <a:xfrm>
-              <a:off x="1729810" y="4251788"/>
-              <a:ext cx="1463040" cy="1463040"/>
+            <a:xfrm rot="10800000">
+              <a:off x="3936800" y="3753919"/>
+              <a:ext cx="432000" cy="432000"/>
             </a:xfrm>
-            <a:prstGeom prst="mathPlus">
-              <a:avLst/>
+            <a:prstGeom prst="corner">
+              <a:avLst>
+                <a:gd name="adj1" fmla="val 33096"/>
+                <a:gd name="adj2" fmla="val 33096"/>
+              </a:avLst>
             </a:prstGeom>
             <a:solidFill>
-              <a:schemeClr val="bg1"/>
+              <a:schemeClr val="accent1">
+                <a:lumMod val="60000"/>
+                <a:lumOff val="40000"/>
+              </a:schemeClr>
             </a:solidFill>
             <a:ln>
               <a:solidFill>
-                <a:schemeClr val="bg1"/>
+                <a:schemeClr val="accent1">
+                  <a:lumMod val="60000"/>
+                  <a:lumOff val="40000"/>
+                </a:schemeClr>
+              </a:solidFill>
+            </a:ln>
+          </p:spPr>
+          <p:style>
+            <a:lnRef idx="2">
+              <a:schemeClr val="accent1">
+                <a:shade val="50000"/>
+              </a:schemeClr>
+            </a:lnRef>
+            <a:fillRef idx="1">
+              <a:schemeClr val="accent1"/>
+            </a:fillRef>
+            <a:effectRef idx="0">
+              <a:schemeClr val="accent1"/>
+            </a:effectRef>
+            <a:fontRef idx="minor">
+              <a:schemeClr val="lt1"/>
+            </a:fontRef>
+          </p:style>
+          <p:txBody>
+            <a:bodyPr rtlCol="0" anchor="ctr"/>
+            <a:lstStyle/>
+            <a:p>
+              <a:pPr algn="ctr"/>
+              <a:endParaRPr lang="en-US"/>
+            </a:p>
+          </p:txBody>
+        </p:sp>
+        <p:sp>
+          <p:nvSpPr>
+            <p:cNvPr id="23" name="L-Shape 22">
+              <a:extLst>
+                <a:ext uri="{FF2B5EF4-FFF2-40B4-BE49-F238E27FC236}">
+                  <a16:creationId xmlns:a16="http://schemas.microsoft.com/office/drawing/2014/main" id="{2A3FF1C1-B599-419D-A56E-0DC46828B3A9}"/>
+                </a:ext>
+              </a:extLst>
+            </p:cNvPr>
+            <p:cNvSpPr/>
+            <p:nvPr/>
+          </p:nvSpPr>
+          <p:spPr>
+            <a:xfrm rot="16200000">
+              <a:off x="3936800" y="4467224"/>
+              <a:ext cx="432000" cy="432000"/>
+            </a:xfrm>
+            <a:prstGeom prst="corner">
+              <a:avLst>
+                <a:gd name="adj1" fmla="val 33096"/>
+                <a:gd name="adj2" fmla="val 33096"/>
+              </a:avLst>
+            </a:prstGeom>
+            <a:solidFill>
+              <a:schemeClr val="accent1">
+                <a:lumMod val="60000"/>
+                <a:lumOff val="40000"/>
+              </a:schemeClr>
+            </a:solidFill>
+            <a:ln>
+              <a:solidFill>
+                <a:schemeClr val="accent1">
+                  <a:lumMod val="60000"/>
+                  <a:lumOff val="40000"/>
+                </a:schemeClr>
+              </a:solidFill>
+            </a:ln>
+          </p:spPr>
+          <p:style>
+            <a:lnRef idx="2">
+              <a:schemeClr val="accent1">
+                <a:shade val="50000"/>
+              </a:schemeClr>
+            </a:lnRef>
+            <a:fillRef idx="1">
+              <a:schemeClr val="accent1"/>
+            </a:fillRef>
+            <a:effectRef idx="0">
+              <a:schemeClr val="accent1"/>
+            </a:effectRef>
+            <a:fontRef idx="minor">
+              <a:schemeClr val="lt1"/>
+            </a:fontRef>
+          </p:style>
+          <p:txBody>
+            <a:bodyPr rtlCol="0" anchor="ctr"/>
+            <a:lstStyle/>
+            <a:p>
+              <a:pPr algn="ctr"/>
+              <a:endParaRPr lang="en-US"/>
+            </a:p>
+          </p:txBody>
+        </p:sp>
+        <p:sp>
+          <p:nvSpPr>
+            <p:cNvPr id="24" name="L-Shape 23">
+              <a:extLst>
+                <a:ext uri="{FF2B5EF4-FFF2-40B4-BE49-F238E27FC236}">
+                  <a16:creationId xmlns:a16="http://schemas.microsoft.com/office/drawing/2014/main" id="{B54221F0-34F1-4762-AA01-18FEEE60116E}"/>
+                </a:ext>
+              </a:extLst>
+            </p:cNvPr>
+            <p:cNvSpPr/>
+            <p:nvPr/>
+          </p:nvSpPr>
+          <p:spPr>
+            <a:xfrm rot="5400000">
+              <a:off x="3159125" y="3753920"/>
+              <a:ext cx="432000" cy="432000"/>
+            </a:xfrm>
+            <a:prstGeom prst="corner">
+              <a:avLst>
+                <a:gd name="adj1" fmla="val 33096"/>
+                <a:gd name="adj2" fmla="val 33096"/>
+              </a:avLst>
+            </a:prstGeom>
+            <a:solidFill>
+              <a:schemeClr val="accent1">
+                <a:lumMod val="60000"/>
+                <a:lumOff val="40000"/>
+              </a:schemeClr>
+            </a:solidFill>
+            <a:ln>
+              <a:solidFill>
+                <a:schemeClr val="accent1">
+                  <a:lumMod val="60000"/>
+                  <a:lumOff val="40000"/>
+                </a:schemeClr>
               </a:solidFill>
             </a:ln>
           </p:spPr>
@@ -3785,62 +3987,6 @@
           </p:txBody>
         </p:sp>
       </p:grpSp>
-      <p:sp>
-        <p:nvSpPr>
-          <p:cNvPr id="18" name="Multiplication Sign 17">
-            <a:extLst>
-              <a:ext uri="{FF2B5EF4-FFF2-40B4-BE49-F238E27FC236}">
-                <a16:creationId xmlns:a16="http://schemas.microsoft.com/office/drawing/2014/main" id="{A697CF61-C6AB-4701-8824-BEB11F55842E}"/>
-              </a:ext>
-            </a:extLst>
-          </p:cNvPr>
-          <p:cNvSpPr/>
-          <p:nvPr/>
-        </p:nvSpPr>
-        <p:spPr>
-          <a:xfrm>
-            <a:off x="4225159" y="1250731"/>
-            <a:ext cx="1555531" cy="1471448"/>
-          </a:xfrm>
-          <a:prstGeom prst="mathMultiply">
-            <a:avLst>
-              <a:gd name="adj1" fmla="val 11377"/>
-            </a:avLst>
-          </a:prstGeom>
-          <a:solidFill>
-            <a:srgbClr val="FF0000"/>
-          </a:solidFill>
-          <a:ln>
-            <a:solidFill>
-              <a:srgbClr val="FF0000"/>
-            </a:solidFill>
-          </a:ln>
-        </p:spPr>
-        <p:style>
-          <a:lnRef idx="2">
-            <a:schemeClr val="accent1">
-              <a:shade val="50000"/>
-            </a:schemeClr>
-          </a:lnRef>
-          <a:fillRef idx="1">
-            <a:schemeClr val="accent1"/>
-          </a:fillRef>
-          <a:effectRef idx="0">
-            <a:schemeClr val="accent1"/>
-          </a:effectRef>
-          <a:fontRef idx="minor">
-            <a:schemeClr val="lt1"/>
-          </a:fontRef>
-        </p:style>
-        <p:txBody>
-          <a:bodyPr rtlCol="0" anchor="ctr"/>
-          <a:lstStyle/>
-          <a:p>
-            <a:pPr algn="ctr"/>
-            <a:endParaRPr lang="en-US"/>
-          </a:p>
-        </p:txBody>
-      </p:sp>
     </p:spTree>
     <p:extLst>
       <p:ext uri="{BB962C8B-B14F-4D97-AF65-F5344CB8AC3E}">
